--- a/contents/data/nosql/diagrams.pptx
+++ b/contents/data/nosql/diagrams.pptx
@@ -106,6 +106,11 @@
       </a:defRPr>
     </a:lvl9pPr>
   </p:defaultTextStyle>
+  <p:extLst>
+    <p:ext uri="{EFAFB233-063F-42B5-8137-9DF3F51BA10A}">
+      <p15:sldGuideLst xmlns:p15="http://schemas.microsoft.com/office/powerpoint/2012/main"/>
+    </p:ext>
+  </p:extLst>
 </p:presentation>
 </file>
 
@@ -831,7 +836,7 @@
           <a:p>
             <a:fld id="{AC874D88-880F-498A-82C3-685BA9528108}" type="datetimeFigureOut">
               <a:rPr lang="en-SG" smtClean="0"/>
-              <a:t>17/2/2020</a:t>
+              <a:t>10/3/2020</a:t>
             </a:fld>
             <a:endParaRPr lang="en-SG"/>
           </a:p>
@@ -1082,7 +1087,7 @@
           <a:p>
             <a:fld id="{AC874D88-880F-498A-82C3-685BA9528108}" type="datetimeFigureOut">
               <a:rPr lang="en-SG" smtClean="0"/>
-              <a:t>17/2/2020</a:t>
+              <a:t>10/3/2020</a:t>
             </a:fld>
             <a:endParaRPr lang="en-SG"/>
           </a:p>
@@ -1396,7 +1401,7 @@
           <a:p>
             <a:fld id="{AC874D88-880F-498A-82C3-685BA9528108}" type="datetimeFigureOut">
               <a:rPr lang="en-SG" smtClean="0"/>
-              <a:t>17/2/2020</a:t>
+              <a:t>10/3/2020</a:t>
             </a:fld>
             <a:endParaRPr lang="en-SG"/>
           </a:p>
@@ -1737,7 +1742,7 @@
           <a:p>
             <a:fld id="{AC874D88-880F-498A-82C3-685BA9528108}" type="datetimeFigureOut">
               <a:rPr lang="en-SG" smtClean="0"/>
-              <a:t>17/2/2020</a:t>
+              <a:t>10/3/2020</a:t>
             </a:fld>
             <a:endParaRPr lang="en-SG"/>
           </a:p>
@@ -2051,7 +2056,7 @@
           <a:p>
             <a:fld id="{AC874D88-880F-498A-82C3-685BA9528108}" type="datetimeFigureOut">
               <a:rPr lang="en-SG" smtClean="0"/>
-              <a:t>17/2/2020</a:t>
+              <a:t>10/3/2020</a:t>
             </a:fld>
             <a:endParaRPr lang="en-SG"/>
           </a:p>
@@ -2444,7 +2449,7 @@
           <a:p>
             <a:fld id="{AC874D88-880F-498A-82C3-685BA9528108}" type="datetimeFigureOut">
               <a:rPr lang="en-SG" smtClean="0"/>
-              <a:t>17/2/2020</a:t>
+              <a:t>10/3/2020</a:t>
             </a:fld>
             <a:endParaRPr lang="en-SG"/>
           </a:p>
@@ -2614,7 +2619,7 @@
           <a:p>
             <a:fld id="{AC874D88-880F-498A-82C3-685BA9528108}" type="datetimeFigureOut">
               <a:rPr lang="en-SG" smtClean="0"/>
-              <a:t>17/2/2020</a:t>
+              <a:t>10/3/2020</a:t>
             </a:fld>
             <a:endParaRPr lang="en-SG"/>
           </a:p>
@@ -2794,7 +2799,7 @@
           <a:p>
             <a:fld id="{AC874D88-880F-498A-82C3-685BA9528108}" type="datetimeFigureOut">
               <a:rPr lang="en-SG" smtClean="0"/>
-              <a:t>17/2/2020</a:t>
+              <a:t>10/3/2020</a:t>
             </a:fld>
             <a:endParaRPr lang="en-SG"/>
           </a:p>
@@ -2970,7 +2975,7 @@
           <a:p>
             <a:fld id="{AC874D88-880F-498A-82C3-685BA9528108}" type="datetimeFigureOut">
               <a:rPr lang="en-SG" smtClean="0"/>
-              <a:t>17/2/2020</a:t>
+              <a:t>10/3/2020</a:t>
             </a:fld>
             <a:endParaRPr lang="en-SG"/>
           </a:p>
@@ -3217,7 +3222,7 @@
           <a:p>
             <a:fld id="{AC874D88-880F-498A-82C3-685BA9528108}" type="datetimeFigureOut">
               <a:rPr lang="en-SG" smtClean="0"/>
-              <a:t>17/2/2020</a:t>
+              <a:t>10/3/2020</a:t>
             </a:fld>
             <a:endParaRPr lang="en-SG"/>
           </a:p>
@@ -3449,7 +3454,7 @@
           <a:p>
             <a:fld id="{AC874D88-880F-498A-82C3-685BA9528108}" type="datetimeFigureOut">
               <a:rPr lang="en-SG" smtClean="0"/>
-              <a:t>17/2/2020</a:t>
+              <a:t>10/3/2020</a:t>
             </a:fld>
             <a:endParaRPr lang="en-SG"/>
           </a:p>
@@ -3823,7 +3828,7 @@
           <a:p>
             <a:fld id="{AC874D88-880F-498A-82C3-685BA9528108}" type="datetimeFigureOut">
               <a:rPr lang="en-SG" smtClean="0"/>
-              <a:t>17/2/2020</a:t>
+              <a:t>10/3/2020</a:t>
             </a:fld>
             <a:endParaRPr lang="en-SG"/>
           </a:p>
@@ -3946,7 +3951,7 @@
           <a:p>
             <a:fld id="{AC874D88-880F-498A-82C3-685BA9528108}" type="datetimeFigureOut">
               <a:rPr lang="en-SG" smtClean="0"/>
-              <a:t>17/2/2020</a:t>
+              <a:t>10/3/2020</a:t>
             </a:fld>
             <a:endParaRPr lang="en-SG"/>
           </a:p>
@@ -4041,7 +4046,7 @@
           <a:p>
             <a:fld id="{AC874D88-880F-498A-82C3-685BA9528108}" type="datetimeFigureOut">
               <a:rPr lang="en-SG" smtClean="0"/>
-              <a:t>17/2/2020</a:t>
+              <a:t>10/3/2020</a:t>
             </a:fld>
             <a:endParaRPr lang="en-SG"/>
           </a:p>
@@ -4296,7 +4301,7 @@
           <a:p>
             <a:fld id="{AC874D88-880F-498A-82C3-685BA9528108}" type="datetimeFigureOut">
               <a:rPr lang="en-SG" smtClean="0"/>
-              <a:t>17/2/2020</a:t>
+              <a:t>10/3/2020</a:t>
             </a:fld>
             <a:endParaRPr lang="en-SG"/>
           </a:p>
@@ -4559,7 +4564,7 @@
           <a:p>
             <a:fld id="{AC874D88-880F-498A-82C3-685BA9528108}" type="datetimeFigureOut">
               <a:rPr lang="en-SG" smtClean="0"/>
-              <a:t>17/2/2020</a:t>
+              <a:t>10/3/2020</a:t>
             </a:fld>
             <a:endParaRPr lang="en-SG"/>
           </a:p>
@@ -5302,7 +5307,7 @@
           <a:p>
             <a:fld id="{AC874D88-880F-498A-82C3-685BA9528108}" type="datetimeFigureOut">
               <a:rPr lang="en-SG" smtClean="0"/>
-              <a:t>17/2/2020</a:t>
+              <a:t>10/3/2020</a:t>
             </a:fld>
             <a:endParaRPr lang="en-SG"/>
           </a:p>
@@ -5920,7 +5925,7 @@
         </p:nvSpPr>
         <p:spPr>
           <a:xfrm>
-            <a:off x="1202185" y="1941250"/>
+            <a:off x="1232665" y="2077374"/>
             <a:ext cx="1686757" cy="1961965"/>
           </a:xfrm>
           <a:prstGeom prst="flowChartMagneticDisk">
@@ -5970,8 +5975,8 @@
         </p:nvSpPr>
         <p:spPr>
           <a:xfrm>
-            <a:off x="3808520" y="1500326"/>
-            <a:ext cx="1802167" cy="2539014"/>
+            <a:off x="3940681" y="1924974"/>
+            <a:ext cx="1513288" cy="1961966"/>
           </a:xfrm>
           <a:prstGeom prst="rect">
             <a:avLst/>
@@ -6026,8 +6031,8 @@
         </p:nvSpPr>
         <p:spPr>
           <a:xfrm>
-            <a:off x="3960920" y="1652726"/>
-            <a:ext cx="1802167" cy="2539014"/>
+            <a:off x="4093081" y="2077374"/>
+            <a:ext cx="1513288" cy="1961966"/>
           </a:xfrm>
           <a:prstGeom prst="rect">
             <a:avLst/>
@@ -6082,8 +6087,8 @@
         </p:nvSpPr>
         <p:spPr>
           <a:xfrm>
-            <a:off x="4113320" y="1805126"/>
-            <a:ext cx="1802167" cy="2539014"/>
+            <a:off x="4245481" y="2229774"/>
+            <a:ext cx="1513288" cy="1961966"/>
           </a:xfrm>
           <a:prstGeom prst="rect">
             <a:avLst/>
@@ -6120,14 +6125,6 @@
           <a:lstStyle/>
           <a:p>
             <a:pPr algn="ctr"/>
-            <a:r>
-              <a:rPr lang="en-US" dirty="0">
-                <a:solidFill>
-                  <a:schemeClr val="tx1"/>
-                </a:solidFill>
-              </a:rPr>
-              <a:t>Collections</a:t>
-            </a:r>
             <a:endParaRPr lang="en-SG" dirty="0">
               <a:solidFill>
                 <a:schemeClr val="tx1"/>
@@ -6146,14 +6143,16 @@
             </a:extLst>
           </p:cNvPr>
           <p:cNvCxnSpPr>
+            <a:cxnSpLocks/>
             <a:stCxn id="4" idx="4"/>
+            <a:endCxn id="8" idx="1"/>
           </p:cNvCxnSpPr>
           <p:nvPr/>
         </p:nvCxnSpPr>
         <p:spPr>
           <a:xfrm>
-            <a:off x="2888942" y="2922233"/>
-            <a:ext cx="919578" cy="0"/>
+            <a:off x="2919422" y="3058357"/>
+            <a:ext cx="1173659" cy="0"/>
           </a:xfrm>
           <a:prstGeom prst="straightConnector1">
             <a:avLst/>
@@ -6191,8 +6190,8 @@
         </p:nvSpPr>
         <p:spPr>
           <a:xfrm>
-            <a:off x="6880194" y="1772574"/>
-            <a:ext cx="1917577" cy="2604117"/>
+            <a:off x="6916062" y="1924975"/>
+            <a:ext cx="1654914" cy="2159346"/>
           </a:xfrm>
           <a:prstGeom prst="flowChartAlternateProcess">
             <a:avLst/>
@@ -6249,15 +6248,13 @@
           </p:cNvPr>
           <p:cNvCxnSpPr>
             <a:cxnSpLocks/>
-            <a:stCxn id="9" idx="3"/>
-            <a:endCxn id="12" idx="1"/>
           </p:cNvCxnSpPr>
           <p:nvPr/>
         </p:nvCxnSpPr>
         <p:spPr>
           <a:xfrm>
-            <a:off x="5915487" y="3074633"/>
-            <a:ext cx="964707" cy="0"/>
+            <a:off x="5758769" y="2977156"/>
+            <a:ext cx="1326059" cy="0"/>
           </a:xfrm>
           <a:prstGeom prst="straightConnector1">
             <a:avLst/>
@@ -6295,8 +6292,8 @@
         </p:nvSpPr>
         <p:spPr>
           <a:xfrm>
-            <a:off x="7032594" y="1924974"/>
-            <a:ext cx="1917577" cy="2604117"/>
+            <a:off x="7068462" y="2077375"/>
+            <a:ext cx="1654914" cy="2159346"/>
           </a:xfrm>
           <a:prstGeom prst="flowChartAlternateProcess">
             <a:avLst/>
@@ -6356,8 +6353,8 @@
         </p:nvSpPr>
         <p:spPr>
           <a:xfrm>
-            <a:off x="7184994" y="2077374"/>
-            <a:ext cx="1917577" cy="2604117"/>
+            <a:off x="7220862" y="2229775"/>
+            <a:ext cx="1654914" cy="2159346"/>
           </a:xfrm>
           <a:prstGeom prst="flowChartAlternateProcess">
             <a:avLst/>
@@ -6387,18 +6384,7 @@
           <a:lstStyle/>
           <a:p>
             <a:pPr algn="ctr"/>
-            <a:r>
-              <a:rPr lang="en-US" dirty="0">
-                <a:solidFill>
-                  <a:schemeClr val="tx1"/>
-                </a:solidFill>
-              </a:rPr>
-              <a:t>Documents</a:t>
-            </a:r>
-          </a:p>
-          <a:p>
-            <a:pPr algn="ctr"/>
-            <a:endParaRPr lang="en-US" sz="1000" dirty="0">
+            <a:endParaRPr lang="en-US" sz="1500" dirty="0">
               <a:solidFill>
                 <a:schemeClr val="tx1"/>
               </a:solidFill>
@@ -6406,7 +6392,7 @@
           </a:p>
           <a:p>
             <a:r>
-              <a:rPr lang="en-US" sz="1600" dirty="0">
+              <a:rPr lang="en-US" sz="1500" dirty="0">
                 <a:solidFill>
                   <a:schemeClr val="tx1"/>
                 </a:solidFill>
@@ -6416,7 +6402,7 @@
           </a:p>
           <a:p>
             <a:r>
-              <a:rPr lang="en-US" sz="1600" dirty="0">
+              <a:rPr lang="en-US" sz="1500" dirty="0">
                 <a:solidFill>
                   <a:schemeClr val="tx1"/>
                 </a:solidFill>
@@ -6426,28 +6412,544 @@
           </a:p>
           <a:p>
             <a:r>
-              <a:rPr lang="en-US" sz="1600" dirty="0">
+              <a:rPr lang="en-US" sz="1500" dirty="0">
                 <a:solidFill>
                   <a:schemeClr val="tx1"/>
                 </a:solidFill>
               </a:rPr>
-              <a:t>  price: 20</a:t>
-            </a:r>
-          </a:p>
-          <a:p>
-            <a:r>
-              <a:rPr lang="en-US" sz="1600" dirty="0">
+              <a:t>  price: 20,</a:t>
+            </a:r>
+          </a:p>
+          <a:p>
+            <a:r>
+              <a:rPr lang="en-US" sz="1500" dirty="0">
+                <a:solidFill>
+                  <a:schemeClr val="tx1"/>
+                </a:solidFill>
+              </a:rPr>
+              <a:t>  author: “…”</a:t>
+            </a:r>
+          </a:p>
+          <a:p>
+            <a:r>
+              <a:rPr lang="en-US" sz="1500" dirty="0">
+                <a:solidFill>
+                  <a:schemeClr val="tx1"/>
+                </a:solidFill>
+              </a:rPr>
+              <a:t>  title: “…”</a:t>
+            </a:r>
+          </a:p>
+          <a:p>
+            <a:r>
+              <a:rPr lang="en-US" sz="1500" dirty="0">
                 <a:solidFill>
                   <a:schemeClr val="tx1"/>
                 </a:solidFill>
               </a:rPr>
               <a:t>}</a:t>
             </a:r>
-            <a:endParaRPr lang="en-SG" sz="1600" dirty="0">
+            <a:endParaRPr lang="en-SG" sz="1500" dirty="0">
               <a:solidFill>
                 <a:schemeClr val="tx1"/>
               </a:solidFill>
             </a:endParaRPr>
+          </a:p>
+        </p:txBody>
+      </p:sp>
+      <p:cxnSp>
+        <p:nvCxnSpPr>
+          <p:cNvPr id="15" name="Straight Arrow Connector 14">
+            <a:extLst>
+              <a:ext uri="{FF2B5EF4-FFF2-40B4-BE49-F238E27FC236}">
+                <a16:creationId xmlns:a16="http://schemas.microsoft.com/office/drawing/2014/main" id="{28E9B8C9-D293-4251-8C55-8618CDD4FAD9}"/>
+              </a:ext>
+            </a:extLst>
+          </p:cNvPr>
+          <p:cNvCxnSpPr>
+            <a:cxnSpLocks/>
+          </p:cNvCxnSpPr>
+          <p:nvPr/>
+        </p:nvCxnSpPr>
+        <p:spPr>
+          <a:xfrm flipV="1">
+            <a:off x="2943478" y="2710638"/>
+            <a:ext cx="989514" cy="1"/>
+          </a:xfrm>
+          <a:prstGeom prst="straightConnector1">
+            <a:avLst/>
+          </a:prstGeom>
+          <a:ln>
+            <a:tailEnd type="triangle"/>
+          </a:ln>
+        </p:spPr>
+        <p:style>
+          <a:lnRef idx="1">
+            <a:schemeClr val="accent1"/>
+          </a:lnRef>
+          <a:fillRef idx="0">
+            <a:schemeClr val="accent1"/>
+          </a:fillRef>
+          <a:effectRef idx="0">
+            <a:schemeClr val="accent1"/>
+          </a:effectRef>
+          <a:fontRef idx="minor">
+            <a:schemeClr val="tx1"/>
+          </a:fontRef>
+        </p:style>
+      </p:cxnSp>
+      <p:cxnSp>
+        <p:nvCxnSpPr>
+          <p:cNvPr id="16" name="Straight Arrow Connector 15">
+            <a:extLst>
+              <a:ext uri="{FF2B5EF4-FFF2-40B4-BE49-F238E27FC236}">
+                <a16:creationId xmlns:a16="http://schemas.microsoft.com/office/drawing/2014/main" id="{E87E9587-AAA2-4985-824C-2B4B29967F1F}"/>
+              </a:ext>
+            </a:extLst>
+          </p:cNvPr>
+          <p:cNvCxnSpPr>
+            <a:cxnSpLocks/>
+          </p:cNvCxnSpPr>
+          <p:nvPr/>
+        </p:nvCxnSpPr>
+        <p:spPr>
+          <a:xfrm>
+            <a:off x="2919422" y="3407456"/>
+            <a:ext cx="1305957" cy="0"/>
+          </a:xfrm>
+          <a:prstGeom prst="straightConnector1">
+            <a:avLst/>
+          </a:prstGeom>
+          <a:ln>
+            <a:tailEnd type="triangle"/>
+          </a:ln>
+        </p:spPr>
+        <p:style>
+          <a:lnRef idx="1">
+            <a:schemeClr val="accent1"/>
+          </a:lnRef>
+          <a:fillRef idx="0">
+            <a:schemeClr val="accent1"/>
+          </a:fillRef>
+          <a:effectRef idx="0">
+            <a:schemeClr val="accent1"/>
+          </a:effectRef>
+          <a:fontRef idx="minor">
+            <a:schemeClr val="tx1"/>
+          </a:fontRef>
+        </p:style>
+      </p:cxnSp>
+      <p:cxnSp>
+        <p:nvCxnSpPr>
+          <p:cNvPr id="21" name="Straight Arrow Connector 20">
+            <a:extLst>
+              <a:ext uri="{FF2B5EF4-FFF2-40B4-BE49-F238E27FC236}">
+                <a16:creationId xmlns:a16="http://schemas.microsoft.com/office/drawing/2014/main" id="{C47600BA-2C52-4953-B585-A73746CE9842}"/>
+              </a:ext>
+            </a:extLst>
+          </p:cNvPr>
+          <p:cNvCxnSpPr>
+            <a:cxnSpLocks/>
+          </p:cNvCxnSpPr>
+          <p:nvPr/>
+        </p:nvCxnSpPr>
+        <p:spPr>
+          <a:xfrm>
+            <a:off x="5758769" y="3467951"/>
+            <a:ext cx="1462093" cy="0"/>
+          </a:xfrm>
+          <a:prstGeom prst="straightConnector1">
+            <a:avLst/>
+          </a:prstGeom>
+          <a:ln>
+            <a:tailEnd type="triangle"/>
+          </a:ln>
+        </p:spPr>
+        <p:style>
+          <a:lnRef idx="1">
+            <a:schemeClr val="accent1"/>
+          </a:lnRef>
+          <a:fillRef idx="0">
+            <a:schemeClr val="accent1"/>
+          </a:fillRef>
+          <a:effectRef idx="0">
+            <a:schemeClr val="accent1"/>
+          </a:effectRef>
+          <a:fontRef idx="minor">
+            <a:schemeClr val="tx1"/>
+          </a:fontRef>
+        </p:style>
+      </p:cxnSp>
+      <p:cxnSp>
+        <p:nvCxnSpPr>
+          <p:cNvPr id="22" name="Straight Arrow Connector 21">
+            <a:extLst>
+              <a:ext uri="{FF2B5EF4-FFF2-40B4-BE49-F238E27FC236}">
+                <a16:creationId xmlns:a16="http://schemas.microsoft.com/office/drawing/2014/main" id="{4D9871D3-6A2D-43C3-8341-F74E82BC742A}"/>
+              </a:ext>
+            </a:extLst>
+          </p:cNvPr>
+          <p:cNvCxnSpPr>
+            <a:cxnSpLocks/>
+            <a:stCxn id="56" idx="3"/>
+          </p:cNvCxnSpPr>
+          <p:nvPr/>
+        </p:nvCxnSpPr>
+        <p:spPr>
+          <a:xfrm>
+            <a:off x="5776041" y="2504785"/>
+            <a:ext cx="1156387" cy="5850"/>
+          </a:xfrm>
+          <a:prstGeom prst="straightConnector1">
+            <a:avLst/>
+          </a:prstGeom>
+          <a:ln>
+            <a:tailEnd type="triangle"/>
+          </a:ln>
+        </p:spPr>
+        <p:style>
+          <a:lnRef idx="1">
+            <a:schemeClr val="accent1"/>
+          </a:lnRef>
+          <a:fillRef idx="0">
+            <a:schemeClr val="accent1"/>
+          </a:fillRef>
+          <a:effectRef idx="0">
+            <a:schemeClr val="accent1"/>
+          </a:effectRef>
+          <a:fontRef idx="minor">
+            <a:schemeClr val="tx1"/>
+          </a:fontRef>
+        </p:style>
+      </p:cxnSp>
+      <p:sp>
+        <p:nvSpPr>
+          <p:cNvPr id="36" name="TextBox 35">
+            <a:extLst>
+              <a:ext uri="{FF2B5EF4-FFF2-40B4-BE49-F238E27FC236}">
+                <a16:creationId xmlns:a16="http://schemas.microsoft.com/office/drawing/2014/main" id="{44B75486-7CBF-4217-88BE-7197856E3EBB}"/>
+              </a:ext>
+            </a:extLst>
+          </p:cNvPr>
+          <p:cNvSpPr txBox="1"/>
+          <p:nvPr/>
+        </p:nvSpPr>
+        <p:spPr>
+          <a:xfrm>
+            <a:off x="4036727" y="1476393"/>
+            <a:ext cx="1321196" cy="369332"/>
+          </a:xfrm>
+          <a:prstGeom prst="rect">
+            <a:avLst/>
+          </a:prstGeom>
+          <a:noFill/>
+        </p:spPr>
+        <p:txBody>
+          <a:bodyPr wrap="none" rtlCol="0">
+            <a:spAutoFit/>
+          </a:bodyPr>
+          <a:lstStyle/>
+          <a:p>
+            <a:r>
+              <a:rPr lang="en-SG" dirty="0"/>
+              <a:t>Collections</a:t>
+            </a:r>
+            <a:endParaRPr lang="en-GB" dirty="0"/>
+          </a:p>
+        </p:txBody>
+      </p:sp>
+      <p:sp>
+        <p:nvSpPr>
+          <p:cNvPr id="37" name="TextBox 36">
+            <a:extLst>
+              <a:ext uri="{FF2B5EF4-FFF2-40B4-BE49-F238E27FC236}">
+                <a16:creationId xmlns:a16="http://schemas.microsoft.com/office/drawing/2014/main" id="{C7883E69-4D4F-4DDD-8D93-BDD08D1478DD}"/>
+              </a:ext>
+            </a:extLst>
+          </p:cNvPr>
+          <p:cNvSpPr txBox="1"/>
+          <p:nvPr/>
+        </p:nvSpPr>
+        <p:spPr>
+          <a:xfrm>
+            <a:off x="7147731" y="1476393"/>
+            <a:ext cx="1319592" cy="369332"/>
+          </a:xfrm>
+          <a:prstGeom prst="rect">
+            <a:avLst/>
+          </a:prstGeom>
+          <a:noFill/>
+        </p:spPr>
+        <p:txBody>
+          <a:bodyPr wrap="none" rtlCol="0">
+            <a:spAutoFit/>
+          </a:bodyPr>
+          <a:lstStyle/>
+          <a:p>
+            <a:r>
+              <a:rPr lang="en-SG" dirty="0"/>
+              <a:t>Documents</a:t>
+            </a:r>
+            <a:endParaRPr lang="en-GB" dirty="0"/>
+          </a:p>
+        </p:txBody>
+      </p:sp>
+      <p:cxnSp>
+        <p:nvCxnSpPr>
+          <p:cNvPr id="39" name="Straight Connector 38">
+            <a:extLst>
+              <a:ext uri="{FF2B5EF4-FFF2-40B4-BE49-F238E27FC236}">
+                <a16:creationId xmlns:a16="http://schemas.microsoft.com/office/drawing/2014/main" id="{923CEA92-6496-447B-BC56-CB7FA14F9568}"/>
+              </a:ext>
+            </a:extLst>
+          </p:cNvPr>
+          <p:cNvCxnSpPr>
+            <a:cxnSpLocks/>
+          </p:cNvCxnSpPr>
+          <p:nvPr/>
+        </p:nvCxnSpPr>
+        <p:spPr>
+          <a:xfrm>
+            <a:off x="4245481" y="2755392"/>
+            <a:ext cx="1513288" cy="0"/>
+          </a:xfrm>
+          <a:prstGeom prst="line">
+            <a:avLst/>
+          </a:prstGeom>
+        </p:spPr>
+        <p:style>
+          <a:lnRef idx="1">
+            <a:schemeClr val="accent1"/>
+          </a:lnRef>
+          <a:fillRef idx="0">
+            <a:schemeClr val="accent1"/>
+          </a:fillRef>
+          <a:effectRef idx="0">
+            <a:schemeClr val="accent1"/>
+          </a:effectRef>
+          <a:fontRef idx="minor">
+            <a:schemeClr val="tx1"/>
+          </a:fontRef>
+        </p:style>
+      </p:cxnSp>
+      <p:cxnSp>
+        <p:nvCxnSpPr>
+          <p:cNvPr id="41" name="Straight Connector 40">
+            <a:extLst>
+              <a:ext uri="{FF2B5EF4-FFF2-40B4-BE49-F238E27FC236}">
+                <a16:creationId xmlns:a16="http://schemas.microsoft.com/office/drawing/2014/main" id="{B231D5BC-8BF8-472D-B3A0-E7B03AF1B317}"/>
+              </a:ext>
+            </a:extLst>
+          </p:cNvPr>
+          <p:cNvCxnSpPr>
+            <a:stCxn id="9" idx="1"/>
+            <a:endCxn id="9" idx="3"/>
+          </p:cNvCxnSpPr>
+          <p:nvPr/>
+        </p:nvCxnSpPr>
+        <p:spPr>
+          <a:xfrm>
+            <a:off x="4245481" y="3210757"/>
+            <a:ext cx="1513288" cy="0"/>
+          </a:xfrm>
+          <a:prstGeom prst="line">
+            <a:avLst/>
+          </a:prstGeom>
+        </p:spPr>
+        <p:style>
+          <a:lnRef idx="1">
+            <a:schemeClr val="accent1"/>
+          </a:lnRef>
+          <a:fillRef idx="0">
+            <a:schemeClr val="accent1"/>
+          </a:fillRef>
+          <a:effectRef idx="0">
+            <a:schemeClr val="accent1"/>
+          </a:effectRef>
+          <a:fontRef idx="minor">
+            <a:schemeClr val="tx1"/>
+          </a:fontRef>
+        </p:style>
+      </p:cxnSp>
+      <p:cxnSp>
+        <p:nvCxnSpPr>
+          <p:cNvPr id="43" name="Straight Connector 42">
+            <a:extLst>
+              <a:ext uri="{FF2B5EF4-FFF2-40B4-BE49-F238E27FC236}">
+                <a16:creationId xmlns:a16="http://schemas.microsoft.com/office/drawing/2014/main" id="{66CBA5E1-AB97-45A7-8389-E19F8A477FDF}"/>
+              </a:ext>
+            </a:extLst>
+          </p:cNvPr>
+          <p:cNvCxnSpPr>
+            <a:cxnSpLocks/>
+          </p:cNvCxnSpPr>
+          <p:nvPr/>
+        </p:nvCxnSpPr>
+        <p:spPr>
+          <a:xfrm>
+            <a:off x="4245481" y="3700272"/>
+            <a:ext cx="1513288" cy="0"/>
+          </a:xfrm>
+          <a:prstGeom prst="line">
+            <a:avLst/>
+          </a:prstGeom>
+        </p:spPr>
+        <p:style>
+          <a:lnRef idx="1">
+            <a:schemeClr val="accent1"/>
+          </a:lnRef>
+          <a:fillRef idx="0">
+            <a:schemeClr val="accent1"/>
+          </a:fillRef>
+          <a:effectRef idx="0">
+            <a:schemeClr val="accent1"/>
+          </a:effectRef>
+          <a:fontRef idx="minor">
+            <a:schemeClr val="tx1"/>
+          </a:fontRef>
+        </p:style>
+      </p:cxnSp>
+      <p:sp>
+        <p:nvSpPr>
+          <p:cNvPr id="56" name="TextBox 55">
+            <a:extLst>
+              <a:ext uri="{FF2B5EF4-FFF2-40B4-BE49-F238E27FC236}">
+                <a16:creationId xmlns:a16="http://schemas.microsoft.com/office/drawing/2014/main" id="{A35FB8BF-57E9-403B-A270-10E9CDA9C10E}"/>
+              </a:ext>
+            </a:extLst>
+          </p:cNvPr>
+          <p:cNvSpPr txBox="1"/>
+          <p:nvPr/>
+        </p:nvSpPr>
+        <p:spPr>
+          <a:xfrm>
+            <a:off x="4371489" y="2335508"/>
+            <a:ext cx="1404552" cy="338554"/>
+          </a:xfrm>
+          <a:prstGeom prst="rect">
+            <a:avLst/>
+          </a:prstGeom>
+          <a:noFill/>
+        </p:spPr>
+        <p:txBody>
+          <a:bodyPr wrap="square" rtlCol="0">
+            <a:spAutoFit/>
+          </a:bodyPr>
+          <a:lstStyle/>
+          <a:p>
+            <a:r>
+              <a:rPr lang="en-SG" sz="1600" dirty="0"/>
+              <a:t>document 1</a:t>
+            </a:r>
+            <a:endParaRPr lang="en-GB" sz="1600" dirty="0"/>
+          </a:p>
+        </p:txBody>
+      </p:sp>
+      <p:sp>
+        <p:nvSpPr>
+          <p:cNvPr id="57" name="TextBox 56">
+            <a:extLst>
+              <a:ext uri="{FF2B5EF4-FFF2-40B4-BE49-F238E27FC236}">
+                <a16:creationId xmlns:a16="http://schemas.microsoft.com/office/drawing/2014/main" id="{D3C18BBE-E65D-4F40-A25F-C98DBADDAA07}"/>
+              </a:ext>
+            </a:extLst>
+          </p:cNvPr>
+          <p:cNvSpPr txBox="1"/>
+          <p:nvPr/>
+        </p:nvSpPr>
+        <p:spPr>
+          <a:xfrm>
+            <a:off x="4369596" y="2803145"/>
+            <a:ext cx="1404552" cy="338554"/>
+          </a:xfrm>
+          <a:prstGeom prst="rect">
+            <a:avLst/>
+          </a:prstGeom>
+          <a:noFill/>
+        </p:spPr>
+        <p:txBody>
+          <a:bodyPr wrap="square" rtlCol="0">
+            <a:spAutoFit/>
+          </a:bodyPr>
+          <a:lstStyle/>
+          <a:p>
+            <a:r>
+              <a:rPr lang="en-SG" sz="1600" dirty="0"/>
+              <a:t>document 2</a:t>
+            </a:r>
+            <a:endParaRPr lang="en-GB" sz="1600" dirty="0"/>
+          </a:p>
+        </p:txBody>
+      </p:sp>
+      <p:sp>
+        <p:nvSpPr>
+          <p:cNvPr id="58" name="TextBox 57">
+            <a:extLst>
+              <a:ext uri="{FF2B5EF4-FFF2-40B4-BE49-F238E27FC236}">
+                <a16:creationId xmlns:a16="http://schemas.microsoft.com/office/drawing/2014/main" id="{9EF5A106-FD36-4ED0-BE53-C515EECE821D}"/>
+              </a:ext>
+            </a:extLst>
+          </p:cNvPr>
+          <p:cNvSpPr txBox="1"/>
+          <p:nvPr/>
+        </p:nvSpPr>
+        <p:spPr>
+          <a:xfrm>
+            <a:off x="4369596" y="3295607"/>
+            <a:ext cx="1304764" cy="338554"/>
+          </a:xfrm>
+          <a:prstGeom prst="rect">
+            <a:avLst/>
+          </a:prstGeom>
+          <a:noFill/>
+        </p:spPr>
+        <p:txBody>
+          <a:bodyPr wrap="square" rtlCol="0">
+            <a:spAutoFit/>
+          </a:bodyPr>
+          <a:lstStyle/>
+          <a:p>
+            <a:r>
+              <a:rPr lang="en-SG" sz="1600" dirty="0"/>
+              <a:t>document 3</a:t>
+            </a:r>
+            <a:endParaRPr lang="en-GB" sz="1600" dirty="0"/>
+          </a:p>
+        </p:txBody>
+      </p:sp>
+      <p:sp>
+        <p:nvSpPr>
+          <p:cNvPr id="59" name="TextBox 58">
+            <a:extLst>
+              <a:ext uri="{FF2B5EF4-FFF2-40B4-BE49-F238E27FC236}">
+                <a16:creationId xmlns:a16="http://schemas.microsoft.com/office/drawing/2014/main" id="{56998E7D-3A96-4F0C-A64E-55A8ADDAC9BC}"/>
+              </a:ext>
+            </a:extLst>
+          </p:cNvPr>
+          <p:cNvSpPr txBox="1"/>
+          <p:nvPr/>
+        </p:nvSpPr>
+        <p:spPr>
+          <a:xfrm>
+            <a:off x="4824833" y="3730673"/>
+            <a:ext cx="354584" cy="369332"/>
+          </a:xfrm>
+          <a:prstGeom prst="rect">
+            <a:avLst/>
+          </a:prstGeom>
+          <a:noFill/>
+        </p:spPr>
+        <p:txBody>
+          <a:bodyPr wrap="square" rtlCol="0">
+            <a:spAutoFit/>
+          </a:bodyPr>
+          <a:lstStyle/>
+          <a:p>
+            <a:r>
+              <a:rPr lang="en-SG" dirty="0"/>
+              <a:t>…</a:t>
+            </a:r>
+            <a:endParaRPr lang="en-GB" dirty="0"/>
           </a:p>
         </p:txBody>
       </p:sp>

--- a/contents/data/nosql/diagrams.pptx
+++ b/contents/data/nosql/diagrams.pptx
@@ -6997,7 +6997,7 @@
         </p:nvSpPr>
         <p:spPr>
           <a:xfrm>
-            <a:off x="2948348" y="3667074"/>
+            <a:off x="1131738" y="3258642"/>
             <a:ext cx="1350967" cy="1714474"/>
           </a:xfrm>
           <a:prstGeom prst="flowChartMagneticDisk">
@@ -7047,8 +7047,8 @@
         </p:nvSpPr>
         <p:spPr>
           <a:xfrm>
-            <a:off x="5193216" y="3414945"/>
-            <a:ext cx="1443402" cy="2218731"/>
+            <a:off x="3376607" y="3258642"/>
+            <a:ext cx="1262448" cy="1714474"/>
           </a:xfrm>
           <a:prstGeom prst="rect">
             <a:avLst/>
@@ -7130,8 +7130,8 @@
         </p:nvCxnSpPr>
         <p:spPr>
           <a:xfrm>
-            <a:off x="4299315" y="4524311"/>
-            <a:ext cx="893901" cy="0"/>
+            <a:off x="2482705" y="4115879"/>
+            <a:ext cx="893902" cy="0"/>
           </a:xfrm>
           <a:prstGeom prst="straightConnector1">
             <a:avLst/>
@@ -7172,9 +7172,9 @@
           <p:nvPr/>
         </p:nvCxnSpPr>
         <p:spPr>
-          <a:xfrm flipV="1">
-            <a:off x="6636618" y="4523183"/>
-            <a:ext cx="819144" cy="1128"/>
+          <a:xfrm>
+            <a:off x="4639055" y="4115879"/>
+            <a:ext cx="933971" cy="0"/>
           </a:xfrm>
           <a:prstGeom prst="straightConnector1">
             <a:avLst/>
@@ -7212,8 +7212,8 @@
         </p:nvSpPr>
         <p:spPr>
           <a:xfrm>
-            <a:off x="7455762" y="3385372"/>
-            <a:ext cx="1535837" cy="2275622"/>
+            <a:off x="5573026" y="3258642"/>
+            <a:ext cx="1328575" cy="1714474"/>
           </a:xfrm>
           <a:prstGeom prst="flowChartAlternateProcess">
             <a:avLst/>
@@ -7273,7 +7273,7 @@
         </p:nvSpPr>
         <p:spPr>
           <a:xfrm>
-            <a:off x="2948348" y="772126"/>
+            <a:off x="1131740" y="997678"/>
             <a:ext cx="1350967" cy="1714474"/>
           </a:xfrm>
           <a:prstGeom prst="flowChartMagneticDisk">
@@ -7323,8 +7323,8 @@
         </p:nvSpPr>
         <p:spPr>
           <a:xfrm>
-            <a:off x="5193216" y="519997"/>
-            <a:ext cx="1443402" cy="2218731"/>
+            <a:off x="3376608" y="997678"/>
+            <a:ext cx="1262448" cy="1714474"/>
           </a:xfrm>
           <a:prstGeom prst="rect">
             <a:avLst/>
@@ -7406,7 +7406,7 @@
         </p:nvCxnSpPr>
         <p:spPr>
           <a:xfrm>
-            <a:off x="4299315" y="1629363"/>
+            <a:off x="2482707" y="1854915"/>
             <a:ext cx="893901" cy="0"/>
           </a:xfrm>
           <a:prstGeom prst="straightConnector1">
@@ -7448,9 +7448,9 @@
           <p:nvPr/>
         </p:nvCxnSpPr>
         <p:spPr>
-          <a:xfrm flipV="1">
-            <a:off x="6636618" y="1628235"/>
-            <a:ext cx="819144" cy="1128"/>
+          <a:xfrm>
+            <a:off x="4639056" y="1854915"/>
+            <a:ext cx="933972" cy="0"/>
           </a:xfrm>
           <a:prstGeom prst="straightConnector1">
             <a:avLst/>
@@ -7488,8 +7488,8 @@
         </p:nvSpPr>
         <p:spPr>
           <a:xfrm>
-            <a:off x="7455762" y="490424"/>
-            <a:ext cx="1535837" cy="2275622"/>
+            <a:off x="5573028" y="997678"/>
+            <a:ext cx="1328574" cy="1714474"/>
           </a:xfrm>
           <a:prstGeom prst="flowChartAlternateProcess">
             <a:avLst/>
@@ -7535,6 +7535,204 @@
           </a:p>
         </p:txBody>
       </p:sp>
+      <p:sp>
+        <p:nvSpPr>
+          <p:cNvPr id="34" name="Flowchart: Alternate Process 33">
+            <a:extLst>
+              <a:ext uri="{FF2B5EF4-FFF2-40B4-BE49-F238E27FC236}">
+                <a16:creationId xmlns:a16="http://schemas.microsoft.com/office/drawing/2014/main" id="{11BF4676-6495-4BA2-8E5A-FA23984913EB}"/>
+              </a:ext>
+            </a:extLst>
+          </p:cNvPr>
+          <p:cNvSpPr/>
+          <p:nvPr/>
+        </p:nvSpPr>
+        <p:spPr>
+          <a:xfrm>
+            <a:off x="7418640" y="1562591"/>
+            <a:ext cx="981648" cy="584648"/>
+          </a:xfrm>
+          <a:prstGeom prst="flowChartAlternateProcess">
+            <a:avLst/>
+          </a:prstGeom>
+          <a:solidFill>
+            <a:schemeClr val="bg1"/>
+          </a:solidFill>
+        </p:spPr>
+        <p:style>
+          <a:lnRef idx="2">
+            <a:schemeClr val="accent1">
+              <a:shade val="50000"/>
+            </a:schemeClr>
+          </a:lnRef>
+          <a:fillRef idx="1">
+            <a:schemeClr val="accent1"/>
+          </a:fillRef>
+          <a:effectRef idx="0">
+            <a:schemeClr val="accent1"/>
+          </a:effectRef>
+          <a:fontRef idx="minor">
+            <a:schemeClr val="lt1"/>
+          </a:fontRef>
+        </p:style>
+        <p:txBody>
+          <a:bodyPr rtlCol="0" anchor="ctr"/>
+          <a:lstStyle/>
+          <a:p>
+            <a:pPr algn="ctr"/>
+            <a:r>
+              <a:rPr lang="en-US" sz="1400" dirty="0">
+                <a:solidFill>
+                  <a:schemeClr val="tx1"/>
+                </a:solidFill>
+              </a:rPr>
+              <a:t>title: “apple”</a:t>
+            </a:r>
+          </a:p>
+        </p:txBody>
+      </p:sp>
+      <p:sp>
+        <p:nvSpPr>
+          <p:cNvPr id="35" name="Flowchart: Alternate Process 34">
+            <a:extLst>
+              <a:ext uri="{FF2B5EF4-FFF2-40B4-BE49-F238E27FC236}">
+                <a16:creationId xmlns:a16="http://schemas.microsoft.com/office/drawing/2014/main" id="{47F200CC-055B-43E0-9EFC-5429AAC3A7C5}"/>
+              </a:ext>
+            </a:extLst>
+          </p:cNvPr>
+          <p:cNvSpPr/>
+          <p:nvPr/>
+        </p:nvSpPr>
+        <p:spPr>
+          <a:xfrm>
+            <a:off x="7418640" y="3823555"/>
+            <a:ext cx="981648" cy="584648"/>
+          </a:xfrm>
+          <a:prstGeom prst="flowChartAlternateProcess">
+            <a:avLst/>
+          </a:prstGeom>
+          <a:solidFill>
+            <a:schemeClr val="bg1"/>
+          </a:solidFill>
+        </p:spPr>
+        <p:style>
+          <a:lnRef idx="2">
+            <a:schemeClr val="accent1">
+              <a:shade val="50000"/>
+            </a:schemeClr>
+          </a:lnRef>
+          <a:fillRef idx="1">
+            <a:schemeClr val="accent1"/>
+          </a:fillRef>
+          <a:effectRef idx="0">
+            <a:schemeClr val="accent1"/>
+          </a:effectRef>
+          <a:fontRef idx="minor">
+            <a:schemeClr val="lt1"/>
+          </a:fontRef>
+        </p:style>
+        <p:txBody>
+          <a:bodyPr rtlCol="0" anchor="ctr"/>
+          <a:lstStyle/>
+          <a:p>
+            <a:pPr algn="ctr"/>
+            <a:r>
+              <a:rPr lang="en-US" sz="1400" dirty="0">
+                <a:solidFill>
+                  <a:schemeClr val="tx1"/>
+                </a:solidFill>
+              </a:rPr>
+              <a:t>title: “orange”</a:t>
+            </a:r>
+          </a:p>
+        </p:txBody>
+      </p:sp>
+      <p:cxnSp>
+        <p:nvCxnSpPr>
+          <p:cNvPr id="37" name="Straight Arrow Connector 36">
+            <a:extLst>
+              <a:ext uri="{FF2B5EF4-FFF2-40B4-BE49-F238E27FC236}">
+                <a16:creationId xmlns:a16="http://schemas.microsoft.com/office/drawing/2014/main" id="{C71C391A-37FB-42DB-9845-8E1C49299D4F}"/>
+              </a:ext>
+            </a:extLst>
+          </p:cNvPr>
+          <p:cNvCxnSpPr>
+            <a:cxnSpLocks/>
+            <a:stCxn id="48" idx="3"/>
+            <a:endCxn id="34" idx="1"/>
+          </p:cNvCxnSpPr>
+          <p:nvPr/>
+        </p:nvCxnSpPr>
+        <p:spPr>
+          <a:xfrm>
+            <a:off x="6901602" y="1854915"/>
+            <a:ext cx="517038" cy="0"/>
+          </a:xfrm>
+          <a:prstGeom prst="straightConnector1">
+            <a:avLst/>
+          </a:prstGeom>
+          <a:ln>
+            <a:tailEnd type="triangle"/>
+          </a:ln>
+        </p:spPr>
+        <p:style>
+          <a:lnRef idx="1">
+            <a:schemeClr val="accent1"/>
+          </a:lnRef>
+          <a:fillRef idx="0">
+            <a:schemeClr val="accent1"/>
+          </a:fillRef>
+          <a:effectRef idx="0">
+            <a:schemeClr val="accent1"/>
+          </a:effectRef>
+          <a:fontRef idx="minor">
+            <a:schemeClr val="tx1"/>
+          </a:fontRef>
+        </p:style>
+      </p:cxnSp>
+      <p:cxnSp>
+        <p:nvCxnSpPr>
+          <p:cNvPr id="40" name="Straight Arrow Connector 39">
+            <a:extLst>
+              <a:ext uri="{FF2B5EF4-FFF2-40B4-BE49-F238E27FC236}">
+                <a16:creationId xmlns:a16="http://schemas.microsoft.com/office/drawing/2014/main" id="{92755743-64CF-45A0-A64A-38EAE6AF2289}"/>
+              </a:ext>
+            </a:extLst>
+          </p:cNvPr>
+          <p:cNvCxnSpPr>
+            <a:cxnSpLocks/>
+            <a:stCxn id="33" idx="3"/>
+            <a:endCxn id="35" idx="1"/>
+          </p:cNvCxnSpPr>
+          <p:nvPr/>
+        </p:nvCxnSpPr>
+        <p:spPr>
+          <a:xfrm>
+            <a:off x="6901601" y="4115879"/>
+            <a:ext cx="517039" cy="0"/>
+          </a:xfrm>
+          <a:prstGeom prst="straightConnector1">
+            <a:avLst/>
+          </a:prstGeom>
+          <a:ln>
+            <a:tailEnd type="triangle"/>
+          </a:ln>
+        </p:spPr>
+        <p:style>
+          <a:lnRef idx="1">
+            <a:schemeClr val="accent1"/>
+          </a:lnRef>
+          <a:fillRef idx="0">
+            <a:schemeClr val="accent1"/>
+          </a:fillRef>
+          <a:effectRef idx="0">
+            <a:schemeClr val="accent1"/>
+          </a:effectRef>
+          <a:fontRef idx="minor">
+            <a:schemeClr val="tx1"/>
+          </a:fontRef>
+        </p:style>
+      </p:cxnSp>
     </p:spTree>
     <p:extLst>
       <p:ext uri="{BB962C8B-B14F-4D97-AF65-F5344CB8AC3E}">
